--- a/Presentations/Feature selection for Alzheimer’s Disease.pptx
+++ b/Presentations/Feature selection for Alzheimer’s Disease.pptx
@@ -8,14 +8,16 @@
     <p:sldId id="256" r:id="rId2"/>
     <p:sldId id="257" r:id="rId3"/>
     <p:sldId id="267" r:id="rId4"/>
-    <p:sldId id="260" r:id="rId5"/>
-    <p:sldId id="259" r:id="rId6"/>
-    <p:sldId id="266" r:id="rId7"/>
-    <p:sldId id="261" r:id="rId8"/>
-    <p:sldId id="262" r:id="rId9"/>
-    <p:sldId id="263" r:id="rId10"/>
-    <p:sldId id="264" r:id="rId11"/>
-    <p:sldId id="265" r:id="rId12"/>
+    <p:sldId id="268" r:id="rId5"/>
+    <p:sldId id="269" r:id="rId6"/>
+    <p:sldId id="260" r:id="rId7"/>
+    <p:sldId id="259" r:id="rId8"/>
+    <p:sldId id="266" r:id="rId9"/>
+    <p:sldId id="261" r:id="rId10"/>
+    <p:sldId id="262" r:id="rId11"/>
+    <p:sldId id="263" r:id="rId12"/>
+    <p:sldId id="264" r:id="rId13"/>
+    <p:sldId id="265" r:id="rId14"/>
   </p:sldIdLst>
   <p:sldSz cx="12192000" cy="6858000"/>
   <p:notesSz cx="6858000" cy="9144000"/>
@@ -308,7 +310,7 @@
           <a:p>
             <a:fld id="{2BA766C0-57AF-4011-B18D-42EBE74A4008}" type="datetimeFigureOut">
               <a:rPr lang="en-AU" smtClean="0"/>
-              <a:t>22/12/2017</a:t>
+              <a:t>25/01/2018</a:t>
             </a:fld>
             <a:endParaRPr lang="en-AU"/>
           </a:p>
@@ -583,7 +585,7 @@
           <a:p>
             <a:fld id="{2BA766C0-57AF-4011-B18D-42EBE74A4008}" type="datetimeFigureOut">
               <a:rPr lang="en-AU" smtClean="0"/>
-              <a:t>22/12/2017</a:t>
+              <a:t>25/01/2018</a:t>
             </a:fld>
             <a:endParaRPr lang="en-AU"/>
           </a:p>
@@ -777,7 +779,7 @@
           <a:p>
             <a:fld id="{2BA766C0-57AF-4011-B18D-42EBE74A4008}" type="datetimeFigureOut">
               <a:rPr lang="en-AU" smtClean="0"/>
-              <a:t>22/12/2017</a:t>
+              <a:t>25/01/2018</a:t>
             </a:fld>
             <a:endParaRPr lang="en-AU"/>
           </a:p>
@@ -1050,7 +1052,7 @@
           <a:p>
             <a:fld id="{2BA766C0-57AF-4011-B18D-42EBE74A4008}" type="datetimeFigureOut">
               <a:rPr lang="en-AU" smtClean="0"/>
-              <a:t>22/12/2017</a:t>
+              <a:t>25/01/2018</a:t>
             </a:fld>
             <a:endParaRPr lang="en-AU"/>
           </a:p>
@@ -1391,7 +1393,7 @@
           <a:p>
             <a:fld id="{2BA766C0-57AF-4011-B18D-42EBE74A4008}" type="datetimeFigureOut">
               <a:rPr lang="en-AU" smtClean="0"/>
-              <a:t>22/12/2017</a:t>
+              <a:t>25/01/2018</a:t>
             </a:fld>
             <a:endParaRPr lang="en-AU"/>
           </a:p>
@@ -2014,7 +2016,7 @@
           <a:p>
             <a:fld id="{2BA766C0-57AF-4011-B18D-42EBE74A4008}" type="datetimeFigureOut">
               <a:rPr lang="en-AU" smtClean="0"/>
-              <a:t>22/12/2017</a:t>
+              <a:t>25/01/2018</a:t>
             </a:fld>
             <a:endParaRPr lang="en-AU"/>
           </a:p>
@@ -2874,7 +2876,7 @@
           <a:p>
             <a:fld id="{2BA766C0-57AF-4011-B18D-42EBE74A4008}" type="datetimeFigureOut">
               <a:rPr lang="en-AU" smtClean="0"/>
-              <a:t>22/12/2017</a:t>
+              <a:t>25/01/2018</a:t>
             </a:fld>
             <a:endParaRPr lang="en-AU"/>
           </a:p>
@@ -3044,7 +3046,7 @@
           <a:p>
             <a:fld id="{2BA766C0-57AF-4011-B18D-42EBE74A4008}" type="datetimeFigureOut">
               <a:rPr lang="en-AU" smtClean="0"/>
-              <a:t>22/12/2017</a:t>
+              <a:t>25/01/2018</a:t>
             </a:fld>
             <a:endParaRPr lang="en-AU"/>
           </a:p>
@@ -3224,7 +3226,7 @@
           <a:p>
             <a:fld id="{2BA766C0-57AF-4011-B18D-42EBE74A4008}" type="datetimeFigureOut">
               <a:rPr lang="en-AU" smtClean="0"/>
-              <a:t>22/12/2017</a:t>
+              <a:t>25/01/2018</a:t>
             </a:fld>
             <a:endParaRPr lang="en-AU"/>
           </a:p>
@@ -3394,7 +3396,7 @@
           <a:p>
             <a:fld id="{2BA766C0-57AF-4011-B18D-42EBE74A4008}" type="datetimeFigureOut">
               <a:rPr lang="en-AU" smtClean="0"/>
-              <a:t>22/12/2017</a:t>
+              <a:t>25/01/2018</a:t>
             </a:fld>
             <a:endParaRPr lang="en-AU"/>
           </a:p>
@@ -3641,7 +3643,7 @@
           <a:p>
             <a:fld id="{2BA766C0-57AF-4011-B18D-42EBE74A4008}" type="datetimeFigureOut">
               <a:rPr lang="en-AU" smtClean="0"/>
-              <a:t>22/12/2017</a:t>
+              <a:t>25/01/2018</a:t>
             </a:fld>
             <a:endParaRPr lang="en-AU"/>
           </a:p>
@@ -3933,7 +3935,7 @@
           <a:p>
             <a:fld id="{2BA766C0-57AF-4011-B18D-42EBE74A4008}" type="datetimeFigureOut">
               <a:rPr lang="en-AU" smtClean="0"/>
-              <a:t>22/12/2017</a:t>
+              <a:t>25/01/2018</a:t>
             </a:fld>
             <a:endParaRPr lang="en-AU"/>
           </a:p>
@@ -4377,7 +4379,7 @@
           <a:p>
             <a:fld id="{2BA766C0-57AF-4011-B18D-42EBE74A4008}" type="datetimeFigureOut">
               <a:rPr lang="en-AU" smtClean="0"/>
-              <a:t>22/12/2017</a:t>
+              <a:t>25/01/2018</a:t>
             </a:fld>
             <a:endParaRPr lang="en-AU"/>
           </a:p>
@@ -4495,7 +4497,7 @@
           <a:p>
             <a:fld id="{2BA766C0-57AF-4011-B18D-42EBE74A4008}" type="datetimeFigureOut">
               <a:rPr lang="en-AU" smtClean="0"/>
-              <a:t>22/12/2017</a:t>
+              <a:t>25/01/2018</a:t>
             </a:fld>
             <a:endParaRPr lang="en-AU"/>
           </a:p>
@@ -4590,7 +4592,7 @@
           <a:p>
             <a:fld id="{2BA766C0-57AF-4011-B18D-42EBE74A4008}" type="datetimeFigureOut">
               <a:rPr lang="en-AU" smtClean="0"/>
-              <a:t>22/12/2017</a:t>
+              <a:t>25/01/2018</a:t>
             </a:fld>
             <a:endParaRPr lang="en-AU"/>
           </a:p>
@@ -4869,7 +4871,7 @@
           <a:p>
             <a:fld id="{2BA766C0-57AF-4011-B18D-42EBE74A4008}" type="datetimeFigureOut">
               <a:rPr lang="en-AU" smtClean="0"/>
-              <a:t>22/12/2017</a:t>
+              <a:t>25/01/2018</a:t>
             </a:fld>
             <a:endParaRPr lang="en-AU"/>
           </a:p>
@@ -5144,7 +5146,7 @@
           <a:p>
             <a:fld id="{2BA766C0-57AF-4011-B18D-42EBE74A4008}" type="datetimeFigureOut">
               <a:rPr lang="en-AU" smtClean="0"/>
-              <a:t>22/12/2017</a:t>
+              <a:t>25/01/2018</a:t>
             </a:fld>
             <a:endParaRPr lang="en-AU"/>
           </a:p>
@@ -5573,7 +5575,7 @@
           <a:p>
             <a:fld id="{2BA766C0-57AF-4011-B18D-42EBE74A4008}" type="datetimeFigureOut">
               <a:rPr lang="en-AU" smtClean="0"/>
-              <a:t>22/12/2017</a:t>
+              <a:t>25/01/2018</a:t>
             </a:fld>
             <a:endParaRPr lang="en-AU"/>
           </a:p>
@@ -6229,6 +6231,335 @@
       </p:sp>
       <p:sp>
         <p:nvSpPr>
+          <p:cNvPr id="5" name="Content Placeholder 4"/>
+          <p:cNvSpPr>
+            <a:spLocks noGrp="1"/>
+          </p:cNvSpPr>
+          <p:nvPr>
+            <p:ph idx="1"/>
+          </p:nvPr>
+        </p:nvSpPr>
+        <p:spPr/>
+        <p:txBody>
+          <a:bodyPr/>
+          <a:lstStyle/>
+          <a:p>
+            <a:r>
+              <a:rPr lang="en-AU" dirty="0" smtClean="0"/>
+              <a:t>Using Bioconductor’s ‘</a:t>
+            </a:r>
+            <a:r>
+              <a:rPr lang="en-AU" dirty="0" err="1" smtClean="0"/>
+              <a:t>limma</a:t>
+            </a:r>
+            <a:r>
+              <a:rPr lang="en-AU" dirty="0" smtClean="0"/>
+              <a:t>’ package, we obtained the genes that were differentially expressed between six contrasts:</a:t>
+            </a:r>
+          </a:p>
+          <a:p>
+            <a:pPr lvl="1"/>
+            <a:r>
+              <a:rPr lang="en-AU" dirty="0" smtClean="0"/>
+              <a:t>PET scan positive for amyloid </a:t>
+            </a:r>
+            <a:r>
+              <a:rPr lang="en-AU" dirty="0" err="1" smtClean="0"/>
+              <a:t>buildup</a:t>
+            </a:r>
+            <a:r>
+              <a:rPr lang="en-AU" dirty="0" smtClean="0"/>
+              <a:t> v PET scan negative (i.e. those with and without AD)</a:t>
+            </a:r>
+          </a:p>
+          <a:p>
+            <a:pPr lvl="1"/>
+            <a:r>
+              <a:rPr lang="en-AU" dirty="0" smtClean="0"/>
+              <a:t>At least one apoe4 allele v no apoe4 allele</a:t>
+            </a:r>
+          </a:p>
+          <a:p>
+            <a:pPr lvl="1"/>
+            <a:r>
+              <a:rPr lang="en-AU" dirty="0" smtClean="0"/>
+              <a:t>Between the apoe4 groups for individuals who were PET </a:t>
+            </a:r>
+            <a:r>
+              <a:rPr lang="en-AU" dirty="0" err="1" smtClean="0"/>
+              <a:t>pos</a:t>
+            </a:r>
+            <a:endParaRPr lang="en-AU" dirty="0" smtClean="0"/>
+          </a:p>
+          <a:p>
+            <a:pPr lvl="1"/>
+            <a:r>
+              <a:rPr lang="en-AU" dirty="0"/>
+              <a:t>Between the apoe4 groups for individuals who were PET </a:t>
+            </a:r>
+            <a:r>
+              <a:rPr lang="en-AU" dirty="0" err="1" smtClean="0"/>
+              <a:t>neg</a:t>
+            </a:r>
+            <a:endParaRPr lang="en-AU" dirty="0" smtClean="0"/>
+          </a:p>
+          <a:p>
+            <a:pPr lvl="1"/>
+            <a:r>
+              <a:rPr lang="en-AU" dirty="0" smtClean="0"/>
+              <a:t>Between the PET groups for individuals who had at least one apoe4 allele.</a:t>
+            </a:r>
+          </a:p>
+          <a:p>
+            <a:pPr lvl="1"/>
+            <a:r>
+              <a:rPr lang="en-AU" dirty="0" smtClean="0"/>
+              <a:t>Between the PET groups for individuals who did not have an apoe4 allele.</a:t>
+            </a:r>
+            <a:endParaRPr lang="en-AU" dirty="0"/>
+          </a:p>
+          <a:p>
+            <a:pPr lvl="1"/>
+            <a:endParaRPr lang="en-AU" dirty="0" smtClean="0"/>
+          </a:p>
+          <a:p>
+            <a:pPr lvl="1"/>
+            <a:endParaRPr lang="en-AU" dirty="0"/>
+          </a:p>
+        </p:txBody>
+      </p:sp>
+    </p:spTree>
+    <p:extLst>
+      <p:ext uri="{BB962C8B-B14F-4D97-AF65-F5344CB8AC3E}">
+        <p14:creationId xmlns:p14="http://schemas.microsoft.com/office/powerpoint/2010/main" val="247689448"/>
+      </p:ext>
+    </p:extLst>
+  </p:cSld>
+  <p:clrMapOvr>
+    <a:masterClrMapping/>
+  </p:clrMapOvr>
+  <p:timing>
+    <p:tnLst>
+      <p:par>
+        <p:cTn id="1" dur="indefinite" restart="never" nodeType="tmRoot"/>
+      </p:par>
+    </p:tnLst>
+  </p:timing>
+</p:sld>
+</file>
+
+<file path=ppt/slides/slide11.xml><?xml version="1.0" encoding="utf-8"?>
+<p:sld xmlns:a="http://schemas.openxmlformats.org/drawingml/2006/main" xmlns:r="http://schemas.openxmlformats.org/officeDocument/2006/relationships" xmlns:p="http://schemas.openxmlformats.org/presentationml/2006/main">
+  <p:cSld>
+    <p:spTree>
+      <p:nvGrpSpPr>
+        <p:cNvPr id="1" name=""/>
+        <p:cNvGrpSpPr/>
+        <p:nvPr/>
+      </p:nvGrpSpPr>
+      <p:grpSpPr>
+        <a:xfrm>
+          <a:off x="0" y="0"/>
+          <a:ext cx="0" cy="0"/>
+          <a:chOff x="0" y="0"/>
+          <a:chExt cx="0" cy="0"/>
+        </a:xfrm>
+      </p:grpSpPr>
+      <p:sp>
+        <p:nvSpPr>
+          <p:cNvPr id="2" name="Title 1"/>
+          <p:cNvSpPr>
+            <a:spLocks noGrp="1"/>
+          </p:cNvSpPr>
+          <p:nvPr>
+            <p:ph type="title"/>
+          </p:nvPr>
+        </p:nvSpPr>
+        <p:spPr/>
+        <p:txBody>
+          <a:bodyPr/>
+          <a:lstStyle/>
+          <a:p>
+            <a:r>
+              <a:rPr lang="en-AU" dirty="0" smtClean="0"/>
+              <a:t>Expression data</a:t>
+            </a:r>
+            <a:endParaRPr lang="en-AU" dirty="0"/>
+          </a:p>
+        </p:txBody>
+      </p:sp>
+      <p:sp>
+        <p:nvSpPr>
+          <p:cNvPr id="3" name="Content Placeholder 2"/>
+          <p:cNvSpPr>
+            <a:spLocks noGrp="1"/>
+          </p:cNvSpPr>
+          <p:nvPr>
+            <p:ph sz="half" idx="1"/>
+          </p:nvPr>
+        </p:nvSpPr>
+        <p:spPr>
+          <a:xfrm>
+            <a:off x="1103312" y="2060575"/>
+            <a:ext cx="2944253" cy="4195763"/>
+          </a:xfrm>
+        </p:spPr>
+        <p:txBody>
+          <a:bodyPr/>
+          <a:lstStyle/>
+          <a:p>
+            <a:r>
+              <a:rPr lang="en-AU" b="1" dirty="0" smtClean="0"/>
+              <a:t>865 </a:t>
+            </a:r>
+            <a:r>
+              <a:rPr lang="en-AU" dirty="0" smtClean="0"/>
+              <a:t>genes differentially expressed between the PET </a:t>
+            </a:r>
+            <a:r>
+              <a:rPr lang="en-AU" dirty="0" err="1" smtClean="0"/>
+              <a:t>pos</a:t>
+            </a:r>
+            <a:r>
+              <a:rPr lang="en-AU" dirty="0" smtClean="0"/>
+              <a:t> and </a:t>
+            </a:r>
+            <a:r>
+              <a:rPr lang="en-AU" dirty="0" err="1" smtClean="0"/>
+              <a:t>neg</a:t>
+            </a:r>
+            <a:r>
+              <a:rPr lang="en-AU" dirty="0" smtClean="0"/>
+              <a:t> groups</a:t>
+            </a:r>
+          </a:p>
+          <a:p>
+            <a:r>
+              <a:rPr lang="en-AU" b="1" dirty="0" smtClean="0"/>
+              <a:t>554</a:t>
+            </a:r>
+            <a:r>
+              <a:rPr lang="en-AU" dirty="0" smtClean="0"/>
+              <a:t> genes differentially expressed between the apoe4 groups</a:t>
+            </a:r>
+          </a:p>
+          <a:p>
+            <a:r>
+              <a:rPr lang="en-AU" b="1" dirty="0" smtClean="0"/>
+              <a:t>74 </a:t>
+            </a:r>
+            <a:r>
+              <a:rPr lang="en-AU" dirty="0" smtClean="0"/>
+              <a:t>shared</a:t>
+            </a:r>
+          </a:p>
+        </p:txBody>
+      </p:sp>
+      <p:sp>
+        <p:nvSpPr>
+          <p:cNvPr id="6" name="Content Placeholder 5"/>
+          <p:cNvSpPr>
+            <a:spLocks noGrp="1"/>
+          </p:cNvSpPr>
+          <p:nvPr>
+            <p:ph sz="half" idx="2"/>
+          </p:nvPr>
+        </p:nvSpPr>
+        <p:spPr/>
+        <p:txBody>
+          <a:bodyPr/>
+          <a:lstStyle/>
+          <a:p>
+            <a:endParaRPr lang="en-AU"/>
+          </a:p>
+        </p:txBody>
+      </p:sp>
+      <p:pic>
+        <p:nvPicPr>
+          <p:cNvPr id="7" name="Picture 6"/>
+          <p:cNvPicPr>
+            <a:picLocks noChangeAspect="1"/>
+          </p:cNvPicPr>
+          <p:nvPr/>
+        </p:nvPicPr>
+        <p:blipFill>
+          <a:blip r:embed="rId2"/>
+          <a:stretch>
+            <a:fillRect/>
+          </a:stretch>
+        </p:blipFill>
+        <p:spPr>
+          <a:xfrm>
+            <a:off x="4290729" y="1853248"/>
+            <a:ext cx="7325140" cy="4520658"/>
+          </a:xfrm>
+          <a:prstGeom prst="rect">
+            <a:avLst/>
+          </a:prstGeom>
+        </p:spPr>
+      </p:pic>
+    </p:spTree>
+    <p:extLst>
+      <p:ext uri="{BB962C8B-B14F-4D97-AF65-F5344CB8AC3E}">
+        <p14:creationId xmlns:p14="http://schemas.microsoft.com/office/powerpoint/2010/main" val="303956845"/>
+      </p:ext>
+    </p:extLst>
+  </p:cSld>
+  <p:clrMapOvr>
+    <a:masterClrMapping/>
+  </p:clrMapOvr>
+  <p:timing>
+    <p:tnLst>
+      <p:par>
+        <p:cTn id="1" dur="indefinite" restart="never" nodeType="tmRoot"/>
+      </p:par>
+    </p:tnLst>
+  </p:timing>
+</p:sld>
+</file>
+
+<file path=ppt/slides/slide12.xml><?xml version="1.0" encoding="utf-8"?>
+<p:sld xmlns:a="http://schemas.openxmlformats.org/drawingml/2006/main" xmlns:r="http://schemas.openxmlformats.org/officeDocument/2006/relationships" xmlns:p="http://schemas.openxmlformats.org/presentationml/2006/main">
+  <p:cSld>
+    <p:spTree>
+      <p:nvGrpSpPr>
+        <p:cNvPr id="1" name=""/>
+        <p:cNvGrpSpPr/>
+        <p:nvPr/>
+      </p:nvGrpSpPr>
+      <p:grpSpPr>
+        <a:xfrm>
+          <a:off x="0" y="0"/>
+          <a:ext cx="0" cy="0"/>
+          <a:chOff x="0" y="0"/>
+          <a:chExt cx="0" cy="0"/>
+        </a:xfrm>
+      </p:grpSpPr>
+      <p:sp>
+        <p:nvSpPr>
+          <p:cNvPr id="2" name="Title 1"/>
+          <p:cNvSpPr>
+            <a:spLocks noGrp="1"/>
+          </p:cNvSpPr>
+          <p:nvPr>
+            <p:ph type="title"/>
+          </p:nvPr>
+        </p:nvSpPr>
+        <p:spPr/>
+        <p:txBody>
+          <a:bodyPr/>
+          <a:lstStyle/>
+          <a:p>
+            <a:r>
+              <a:rPr lang="en-AU" dirty="0" smtClean="0"/>
+              <a:t>Expression data</a:t>
+            </a:r>
+            <a:endParaRPr lang="en-AU" dirty="0"/>
+          </a:p>
+        </p:txBody>
+      </p:sp>
+      <p:sp>
+        <p:nvSpPr>
           <p:cNvPr id="3" name="Content Placeholder 2"/>
           <p:cNvSpPr>
             <a:spLocks noGrp="1"/>
@@ -6257,13 +6588,8 @@
             </a:r>
             <a:r>
               <a:rPr lang="en-AU" dirty="0" smtClean="0"/>
-              <a:t> genes differentially expressed in at least one </a:t>
-            </a:r>
-            <a:r>
-              <a:rPr lang="en-AU" dirty="0" smtClean="0"/>
-              <a:t>of these four contrasts</a:t>
-            </a:r>
-            <a:endParaRPr lang="en-AU" dirty="0" smtClean="0"/>
+              <a:t> genes differentially expressed in at least one of these four contrasts</a:t>
+            </a:r>
           </a:p>
           <a:p>
             <a:r>
@@ -6377,7 +6703,7 @@
 </p:sld>
 </file>
 
-<file path=ppt/slides/slide11.xml><?xml version="1.0" encoding="utf-8"?>
+<file path=ppt/slides/slide13.xml><?xml version="1.0" encoding="utf-8"?>
 <p:sld xmlns:a="http://schemas.openxmlformats.org/drawingml/2006/main" xmlns:r="http://schemas.openxmlformats.org/officeDocument/2006/relationships" xmlns:p="http://schemas.openxmlformats.org/presentationml/2006/main">
   <p:cSld>
     <p:spTree>
@@ -6441,11 +6767,7 @@
             <a:pPr lvl="1"/>
             <a:r>
               <a:rPr lang="en-AU" dirty="0" smtClean="0"/>
-              <a:t>Use the Bioconductor ‘gage’ </a:t>
-            </a:r>
-            <a:r>
-              <a:rPr lang="en-AU" dirty="0" smtClean="0"/>
-              <a:t>package and ‘</a:t>
+              <a:t>Use the Bioconductor ‘gage’ package and ‘</a:t>
             </a:r>
             <a:r>
               <a:rPr lang="en-AU" dirty="0" err="1" smtClean="0"/>
@@ -6453,38 +6775,21 @@
             </a:r>
             <a:r>
               <a:rPr lang="en-AU" dirty="0" smtClean="0"/>
-              <a:t>’ web tool </a:t>
-            </a:r>
+              <a:t>’ web tool to examine system networks that are being differentially expressed between those with and without AD.</a:t>
+            </a:r>
+          </a:p>
+          <a:p>
+            <a:pPr lvl="1"/>
             <a:r>
               <a:rPr lang="en-AU" dirty="0" smtClean="0"/>
-              <a:t>to examine system networks that are being differentially expressed between those with and without AD.</a:t>
+              <a:t>Reconcile those networks with the AIBL SNPs and Proxy SNPs to find a relationship between expression levels and genotype.</a:t>
             </a:r>
           </a:p>
           <a:p>
             <a:pPr lvl="1"/>
             <a:r>
               <a:rPr lang="en-AU" dirty="0" smtClean="0"/>
-              <a:t>Reconcile those networks with the AIBL SNPs and Proxy SNPs to find a relationship between expression levels and </a:t>
-            </a:r>
-            <a:r>
-              <a:rPr lang="en-AU" dirty="0" smtClean="0"/>
-              <a:t>genotype.</a:t>
-            </a:r>
-            <a:endParaRPr lang="en-AU" dirty="0" smtClean="0"/>
-          </a:p>
-          <a:p>
-            <a:pPr lvl="1"/>
-            <a:r>
-              <a:rPr lang="en-AU" dirty="0" smtClean="0"/>
-              <a:t>Apply feature selection methods to determine whether some combination of expression patterns and </a:t>
-            </a:r>
-            <a:r>
-              <a:rPr lang="en-AU" dirty="0" smtClean="0"/>
-              <a:t>genotypes </a:t>
-            </a:r>
-            <a:r>
-              <a:rPr lang="en-AU" dirty="0" smtClean="0"/>
-              <a:t>can accurately predict AD.</a:t>
+              <a:t>Apply feature selection methods to determine whether some combination of expression patterns and genotypes can accurately predict AD.</a:t>
             </a:r>
             <a:endParaRPr lang="en-AU" dirty="0"/>
           </a:p>
@@ -6569,11 +6874,7 @@
           <a:p>
             <a:r>
               <a:rPr lang="en-AU" dirty="0" smtClean="0"/>
-              <a:t>Our sample comprises </a:t>
-            </a:r>
-            <a:r>
-              <a:rPr lang="en-AU" dirty="0" smtClean="0"/>
-              <a:t>individuals </a:t>
+              <a:t>Our sample comprises individuals </a:t>
             </a:r>
             <a:r>
               <a:rPr lang="en-AU" dirty="0"/>
@@ -6592,11 +6893,7 @@
             </a:r>
             <a:r>
               <a:rPr lang="en-AU" dirty="0" smtClean="0"/>
-              <a:t> of those individuals </a:t>
-            </a:r>
-            <a:r>
-              <a:rPr lang="en-AU" dirty="0" smtClean="0"/>
-              <a:t>at </a:t>
+              <a:t> of those individuals at </a:t>
             </a:r>
             <a:r>
               <a:rPr lang="en-AU" b="1" dirty="0" smtClean="0"/>
@@ -6604,30 +6901,13 @@
             </a:r>
             <a:r>
               <a:rPr lang="en-AU" dirty="0" smtClean="0"/>
-              <a:t> loci commonly associated with Alzheimer’s Disease (“</a:t>
-            </a:r>
+              <a:t> loci commonly associated with Alzheimer’s Disease (“AIBL SNPs”).</a:t>
+            </a:r>
+          </a:p>
+          <a:p>
             <a:r>
               <a:rPr lang="en-AU" dirty="0" smtClean="0"/>
-              <a:t>AIBL SNPs</a:t>
-            </a:r>
-            <a:r>
-              <a:rPr lang="en-AU" dirty="0" smtClean="0"/>
-              <a:t>”).</a:t>
-            </a:r>
-            <a:endParaRPr lang="en-AU" dirty="0" smtClean="0"/>
-          </a:p>
-          <a:p>
-            <a:r>
-              <a:rPr lang="en-AU" dirty="0" smtClean="0"/>
-              <a:t>Of </a:t>
-            </a:r>
-            <a:r>
-              <a:rPr lang="en-AU" dirty="0" smtClean="0"/>
-              <a:t>those 2,084 </a:t>
-            </a:r>
-            <a:r>
-              <a:rPr lang="en-AU" dirty="0" smtClean="0"/>
-              <a:t>SNPs, </a:t>
+              <a:t>Of those 2,084 SNPs, </a:t>
             </a:r>
             <a:r>
               <a:rPr lang="en-AU" b="1" dirty="0" smtClean="0"/>
@@ -6664,11 +6944,7 @@
             </a:r>
             <a:r>
               <a:rPr lang="en-AU" dirty="0" smtClean="0"/>
-              <a:t>’ package, we </a:t>
-            </a:r>
-            <a:r>
-              <a:rPr lang="en-AU" dirty="0" smtClean="0"/>
-              <a:t>obtained:</a:t>
+              <a:t>’ package, we obtained:</a:t>
             </a:r>
           </a:p>
           <a:p>
@@ -6711,7 +6987,6 @@
               <a:rPr lang="en-AU" dirty="0" smtClean="0"/>
               <a:t>they reside</a:t>
             </a:r>
-            <a:endParaRPr lang="en-AU" dirty="0" smtClean="0"/>
           </a:p>
           <a:p>
             <a:pPr lvl="2"/>
@@ -6807,7 +7082,11 @@
           <a:p>
             <a:r>
               <a:rPr lang="en-AU" dirty="0" smtClean="0"/>
-              <a:t>SNP data</a:t>
+              <a:t>SNP </a:t>
+            </a:r>
+            <a:r>
+              <a:rPr lang="en-AU" dirty="0" smtClean="0"/>
+              <a:t>annotation info</a:t>
             </a:r>
             <a:endParaRPr lang="en-AU" dirty="0"/>
           </a:p>
@@ -6823,7 +7102,7 @@
             <p:ph idx="1"/>
             <p:extLst>
               <p:ext uri="{D42A27DB-BD31-4B8C-83A1-F6EECF244321}">
-                <p14:modId xmlns:p14="http://schemas.microsoft.com/office/powerpoint/2010/main" val="3111973862"/>
+                <p14:modId xmlns:p14="http://schemas.microsoft.com/office/powerpoint/2010/main" val="3054244575"/>
               </p:ext>
             </p:extLst>
           </p:nvPr>
@@ -7101,7 +7380,15 @@
                     <a:p>
                       <a:r>
                         <a:rPr lang="en-AU" dirty="0" smtClean="0"/>
-                        <a:t>126 (495)</a:t>
+                        <a:t>127 </a:t>
+                      </a:r>
+                      <a:r>
+                        <a:rPr lang="en-AU" dirty="0" smtClean="0"/>
+                        <a:t>(</a:t>
+                      </a:r>
+                      <a:r>
+                        <a:rPr lang="en-AU" dirty="0" smtClean="0"/>
+                        <a:t>494)</a:t>
                       </a:r>
                       <a:endParaRPr lang="en-AU" dirty="0"/>
                     </a:p>
@@ -7115,7 +7402,15 @@
                     <a:p>
                       <a:r>
                         <a:rPr lang="en-AU" dirty="0" smtClean="0"/>
-                        <a:t>608 (495)</a:t>
+                        <a:t>609 </a:t>
+                      </a:r>
+                      <a:r>
+                        <a:rPr lang="en-AU" dirty="0" smtClean="0"/>
+                        <a:t>(</a:t>
+                      </a:r>
+                      <a:r>
+                        <a:rPr lang="en-AU" dirty="0" smtClean="0"/>
+                        <a:t>494)</a:t>
                       </a:r>
                       <a:endParaRPr lang="en-AU" dirty="0"/>
                     </a:p>
@@ -7174,6 +7469,846 @@
           <a:p>
             <a:r>
               <a:rPr lang="en-AU" dirty="0" smtClean="0"/>
+              <a:t>SNP association analysis</a:t>
+            </a:r>
+            <a:endParaRPr lang="en-AU" dirty="0"/>
+          </a:p>
+        </p:txBody>
+      </p:sp>
+      <p:graphicFrame>
+        <p:nvGraphicFramePr>
+          <p:cNvPr id="4" name="Content Placeholder 3"/>
+          <p:cNvGraphicFramePr>
+            <a:graphicFrameLocks noGrp="1"/>
+          </p:cNvGraphicFramePr>
+          <p:nvPr>
+            <p:ph idx="1"/>
+            <p:extLst>
+              <p:ext uri="{D42A27DB-BD31-4B8C-83A1-F6EECF244321}">
+                <p14:modId xmlns:p14="http://schemas.microsoft.com/office/powerpoint/2010/main" val="724981844"/>
+              </p:ext>
+            </p:extLst>
+          </p:nvPr>
+        </p:nvGraphicFramePr>
+        <p:xfrm>
+          <a:off x="1103313" y="2052638"/>
+          <a:ext cx="8947148" cy="3384031"/>
+        </p:xfrm>
+        <a:graphic>
+          <a:graphicData uri="http://schemas.openxmlformats.org/drawingml/2006/table">
+            <a:tbl>
+              <a:tblPr firstRow="1" bandRow="1">
+                <a:tableStyleId>{5C22544A-7EE6-4342-B048-85BDC9FD1C3A}</a:tableStyleId>
+              </a:tblPr>
+              <a:tblGrid>
+                <a:gridCol w="2236787"/>
+                <a:gridCol w="2236787"/>
+                <a:gridCol w="2236787"/>
+                <a:gridCol w="2236787"/>
+              </a:tblGrid>
+              <a:tr h="915151">
+                <a:tc>
+                  <a:txBody>
+                    <a:bodyPr/>
+                    <a:lstStyle/>
+                    <a:p>
+                      <a:endParaRPr lang="en-AU" dirty="0"/>
+                    </a:p>
+                  </a:txBody>
+                  <a:tcPr/>
+                </a:tc>
+                <a:tc>
+                  <a:txBody>
+                    <a:bodyPr/>
+                    <a:lstStyle/>
+                    <a:p>
+                      <a:r>
+                        <a:rPr lang="en-AU" dirty="0" smtClean="0"/>
+                        <a:t>No.</a:t>
+                      </a:r>
+                      <a:r>
+                        <a:rPr lang="en-AU" baseline="0" dirty="0" smtClean="0"/>
+                        <a:t> s</a:t>
+                      </a:r>
+                      <a:r>
+                        <a:rPr lang="en-AU" dirty="0" smtClean="0"/>
+                        <a:t>ignificant</a:t>
+                      </a:r>
+                      <a:r>
+                        <a:rPr lang="en-AU" baseline="0" dirty="0" smtClean="0"/>
+                        <a:t> SNPs (p &lt; 0.05)</a:t>
+                      </a:r>
+                      <a:endParaRPr lang="en-AU" dirty="0"/>
+                    </a:p>
+                  </a:txBody>
+                  <a:tcPr/>
+                </a:tc>
+                <a:tc>
+                  <a:txBody>
+                    <a:bodyPr/>
+                    <a:lstStyle/>
+                    <a:p>
+                      <a:r>
+                        <a:rPr lang="en-AU" dirty="0" smtClean="0"/>
+                        <a:t>Adjusted for multiple testing</a:t>
+                      </a:r>
+                      <a:endParaRPr lang="en-AU" dirty="0"/>
+                    </a:p>
+                  </a:txBody>
+                  <a:tcPr/>
+                </a:tc>
+                <a:tc>
+                  <a:txBody>
+                    <a:bodyPr/>
+                    <a:lstStyle/>
+                    <a:p>
+                      <a:r>
+                        <a:rPr lang="en-AU" dirty="0" smtClean="0"/>
+                        <a:t>No.</a:t>
+                      </a:r>
+                      <a:r>
+                        <a:rPr lang="en-AU" baseline="0" dirty="0" smtClean="0"/>
+                        <a:t> g</a:t>
+                      </a:r>
+                      <a:r>
+                        <a:rPr lang="en-AU" dirty="0" smtClean="0"/>
+                        <a:t>enes mapped to by</a:t>
+                      </a:r>
+                      <a:r>
+                        <a:rPr lang="en-AU" baseline="0" dirty="0" smtClean="0"/>
+                        <a:t> significant SNPs</a:t>
+                      </a:r>
+                      <a:endParaRPr lang="en-AU" dirty="0"/>
+                    </a:p>
+                  </a:txBody>
+                  <a:tcPr/>
+                </a:tc>
+              </a:tr>
+              <a:tr h="370840">
+                <a:tc>
+                  <a:txBody>
+                    <a:bodyPr/>
+                    <a:lstStyle/>
+                    <a:p>
+                      <a:r>
+                        <a:rPr lang="en-AU" dirty="0" smtClean="0"/>
+                        <a:t>Association</a:t>
+                      </a:r>
+                      <a:r>
+                        <a:rPr lang="en-AU" baseline="0" dirty="0" smtClean="0"/>
+                        <a:t> (chi square, Fisher exact)</a:t>
+                      </a:r>
+                      <a:endParaRPr lang="en-AU" dirty="0"/>
+                    </a:p>
+                  </a:txBody>
+                  <a:tcPr/>
+                </a:tc>
+                <a:tc>
+                  <a:txBody>
+                    <a:bodyPr/>
+                    <a:lstStyle/>
+                    <a:p>
+                      <a:r>
+                        <a:rPr lang="en-AU" dirty="0" smtClean="0"/>
+                        <a:t>72 SNPs mapping</a:t>
+                      </a:r>
+                      <a:r>
+                        <a:rPr lang="en-AU" baseline="0" dirty="0" smtClean="0"/>
+                        <a:t> to 58 unique genes</a:t>
+                      </a:r>
+                      <a:endParaRPr lang="en-AU" dirty="0"/>
+                    </a:p>
+                  </a:txBody>
+                  <a:tcPr/>
+                </a:tc>
+                <a:tc>
+                  <a:txBody>
+                    <a:bodyPr/>
+                    <a:lstStyle/>
+                    <a:p>
+                      <a:r>
+                        <a:rPr lang="en-AU" dirty="0" smtClean="0"/>
+                        <a:t>0 (from</a:t>
+                      </a:r>
+                      <a:r>
+                        <a:rPr lang="en-AU" baseline="0" dirty="0" smtClean="0"/>
+                        <a:t> 10,000 permutations)</a:t>
+                      </a:r>
+                      <a:endParaRPr lang="en-AU" dirty="0"/>
+                    </a:p>
+                  </a:txBody>
+                  <a:tcPr/>
+                </a:tc>
+                <a:tc>
+                  <a:txBody>
+                    <a:bodyPr/>
+                    <a:lstStyle/>
+                    <a:p>
+                      <a:r>
+                        <a:rPr lang="en-AU" dirty="0" smtClean="0"/>
+                        <a:t>58</a:t>
+                      </a:r>
+                      <a:endParaRPr lang="en-AU" dirty="0"/>
+                    </a:p>
+                  </a:txBody>
+                  <a:tcPr/>
+                </a:tc>
+              </a:tr>
+              <a:tr h="370840">
+                <a:tc>
+                  <a:txBody>
+                    <a:bodyPr/>
+                    <a:lstStyle/>
+                    <a:p>
+                      <a:r>
+                        <a:rPr lang="en-AU" dirty="0" smtClean="0"/>
+                        <a:t>Logistic</a:t>
+                      </a:r>
+                      <a:r>
+                        <a:rPr lang="en-AU" baseline="0" dirty="0" smtClean="0"/>
+                        <a:t> regression with covariates</a:t>
+                      </a:r>
+                      <a:endParaRPr lang="en-AU" dirty="0"/>
+                    </a:p>
+                  </a:txBody>
+                  <a:tcPr/>
+                </a:tc>
+                <a:tc>
+                  <a:txBody>
+                    <a:bodyPr/>
+                    <a:lstStyle/>
+                    <a:p>
+                      <a:r>
+                        <a:rPr lang="en-AU" dirty="0" smtClean="0"/>
+                        <a:t>87 SNPs mapping</a:t>
+                      </a:r>
+                      <a:r>
+                        <a:rPr lang="en-AU" baseline="0" dirty="0" smtClean="0"/>
+                        <a:t> to 59 genes</a:t>
+                      </a:r>
+                      <a:endParaRPr lang="en-AU" dirty="0"/>
+                    </a:p>
+                  </a:txBody>
+                  <a:tcPr/>
+                </a:tc>
+                <a:tc>
+                  <a:txBody>
+                    <a:bodyPr/>
+                    <a:lstStyle/>
+                    <a:p>
+                      <a:r>
+                        <a:rPr lang="en-AU" dirty="0" smtClean="0"/>
+                        <a:t>0 (&lt;</a:t>
+                      </a:r>
+                      <a:r>
+                        <a:rPr lang="en-AU" baseline="0" dirty="0" smtClean="0"/>
+                        <a:t> </a:t>
+                      </a:r>
+                      <a:r>
+                        <a:rPr lang="en-AU" dirty="0" smtClean="0"/>
+                        <a:t>0.05</a:t>
+                      </a:r>
+                      <a:r>
+                        <a:rPr lang="en-AU" baseline="0" dirty="0" smtClean="0"/>
+                        <a:t> FDR-adjusted)</a:t>
+                      </a:r>
+                      <a:endParaRPr lang="en-AU" dirty="0"/>
+                    </a:p>
+                  </a:txBody>
+                  <a:tcPr/>
+                </a:tc>
+                <a:tc>
+                  <a:txBody>
+                    <a:bodyPr/>
+                    <a:lstStyle/>
+                    <a:p>
+                      <a:r>
+                        <a:rPr lang="en-AU" dirty="0" smtClean="0"/>
+                        <a:t>59</a:t>
+                      </a:r>
+                      <a:endParaRPr lang="en-AU" dirty="0"/>
+                    </a:p>
+                  </a:txBody>
+                  <a:tcPr/>
+                </a:tc>
+              </a:tr>
+              <a:tr h="370840">
+                <a:tc>
+                  <a:txBody>
+                    <a:bodyPr/>
+                    <a:lstStyle/>
+                    <a:p>
+                      <a:r>
+                        <a:rPr lang="en-AU" dirty="0" smtClean="0"/>
+                        <a:t>Intersection between above</a:t>
+                      </a:r>
+                      <a:r>
+                        <a:rPr lang="en-AU" baseline="0" dirty="0" smtClean="0"/>
+                        <a:t> analyses</a:t>
+                      </a:r>
+                      <a:endParaRPr lang="en-AU" dirty="0"/>
+                    </a:p>
+                  </a:txBody>
+                  <a:tcPr/>
+                </a:tc>
+                <a:tc>
+                  <a:txBody>
+                    <a:bodyPr/>
+                    <a:lstStyle/>
+                    <a:p>
+                      <a:r>
+                        <a:rPr lang="en-AU" dirty="0" smtClean="0"/>
+                        <a:t>4</a:t>
+                      </a:r>
+                      <a:endParaRPr lang="en-AU" dirty="0"/>
+                    </a:p>
+                  </a:txBody>
+                  <a:tcPr/>
+                </a:tc>
+                <a:tc>
+                  <a:txBody>
+                    <a:bodyPr/>
+                    <a:lstStyle/>
+                    <a:p>
+                      <a:r>
+                        <a:rPr lang="en-AU" dirty="0" smtClean="0"/>
+                        <a:t>N/A</a:t>
+                      </a:r>
+                      <a:endParaRPr lang="en-AU" dirty="0"/>
+                    </a:p>
+                  </a:txBody>
+                  <a:tcPr/>
+                </a:tc>
+                <a:tc>
+                  <a:txBody>
+                    <a:bodyPr/>
+                    <a:lstStyle/>
+                    <a:p>
+                      <a:r>
+                        <a:rPr lang="en-AU" dirty="0" smtClean="0"/>
+                        <a:t>16</a:t>
+                      </a:r>
+                      <a:endParaRPr lang="en-AU" dirty="0"/>
+                    </a:p>
+                  </a:txBody>
+                  <a:tcPr/>
+                </a:tc>
+              </a:tr>
+            </a:tbl>
+          </a:graphicData>
+        </a:graphic>
+      </p:graphicFrame>
+    </p:spTree>
+    <p:extLst>
+      <p:ext uri="{BB962C8B-B14F-4D97-AF65-F5344CB8AC3E}">
+        <p14:creationId xmlns:p14="http://schemas.microsoft.com/office/powerpoint/2010/main" val="1800363049"/>
+      </p:ext>
+    </p:extLst>
+  </p:cSld>
+  <p:clrMapOvr>
+    <a:masterClrMapping/>
+  </p:clrMapOvr>
+</p:sld>
+</file>
+
+<file path=ppt/slides/slide5.xml><?xml version="1.0" encoding="utf-8"?>
+<p:sld xmlns:a="http://schemas.openxmlformats.org/drawingml/2006/main" xmlns:r="http://schemas.openxmlformats.org/officeDocument/2006/relationships" xmlns:p="http://schemas.openxmlformats.org/presentationml/2006/main">
+  <p:cSld>
+    <p:spTree>
+      <p:nvGrpSpPr>
+        <p:cNvPr id="1" name=""/>
+        <p:cNvGrpSpPr/>
+        <p:nvPr/>
+      </p:nvGrpSpPr>
+      <p:grpSpPr>
+        <a:xfrm>
+          <a:off x="0" y="0"/>
+          <a:ext cx="0" cy="0"/>
+          <a:chOff x="0" y="0"/>
+          <a:chExt cx="0" cy="0"/>
+        </a:xfrm>
+      </p:grpSpPr>
+      <p:sp>
+        <p:nvSpPr>
+          <p:cNvPr id="2" name="Title 1"/>
+          <p:cNvSpPr>
+            <a:spLocks noGrp="1"/>
+          </p:cNvSpPr>
+          <p:nvPr>
+            <p:ph type="title"/>
+          </p:nvPr>
+        </p:nvSpPr>
+        <p:spPr/>
+        <p:txBody>
+          <a:bodyPr/>
+          <a:lstStyle/>
+          <a:p>
+            <a:r>
+              <a:rPr lang="en-AU" dirty="0" err="1" smtClean="0"/>
+              <a:t>eQTL</a:t>
+            </a:r>
+            <a:r>
+              <a:rPr lang="en-AU" dirty="0" smtClean="0"/>
+              <a:t> analysis</a:t>
+            </a:r>
+            <a:endParaRPr lang="en-AU" dirty="0"/>
+          </a:p>
+        </p:txBody>
+      </p:sp>
+      <p:graphicFrame>
+        <p:nvGraphicFramePr>
+          <p:cNvPr id="4" name="Content Placeholder 3"/>
+          <p:cNvGraphicFramePr>
+            <a:graphicFrameLocks noGrp="1"/>
+          </p:cNvGraphicFramePr>
+          <p:nvPr>
+            <p:ph idx="1"/>
+            <p:extLst>
+              <p:ext uri="{D42A27DB-BD31-4B8C-83A1-F6EECF244321}">
+                <p14:modId xmlns:p14="http://schemas.microsoft.com/office/powerpoint/2010/main" val="3077121842"/>
+              </p:ext>
+            </p:extLst>
+          </p:nvPr>
+        </p:nvGraphicFramePr>
+        <p:xfrm>
+          <a:off x="1103313" y="2052638"/>
+          <a:ext cx="8947148" cy="3576320"/>
+        </p:xfrm>
+        <a:graphic>
+          <a:graphicData uri="http://schemas.openxmlformats.org/drawingml/2006/table">
+            <a:tbl>
+              <a:tblPr firstRow="1" bandRow="1">
+                <a:tableStyleId>{5C22544A-7EE6-4342-B048-85BDC9FD1C3A}</a:tableStyleId>
+              </a:tblPr>
+              <a:tblGrid>
+                <a:gridCol w="2236787"/>
+                <a:gridCol w="2236787"/>
+                <a:gridCol w="2236787"/>
+                <a:gridCol w="2236787"/>
+              </a:tblGrid>
+              <a:tr h="370840">
+                <a:tc>
+                  <a:txBody>
+                    <a:bodyPr/>
+                    <a:lstStyle/>
+                    <a:p>
+                      <a:endParaRPr lang="en-AU" dirty="0"/>
+                    </a:p>
+                  </a:txBody>
+                  <a:tcPr/>
+                </a:tc>
+                <a:tc>
+                  <a:txBody>
+                    <a:bodyPr/>
+                    <a:lstStyle/>
+                    <a:p>
+                      <a:r>
+                        <a:rPr lang="en-AU" dirty="0" smtClean="0"/>
+                        <a:t>No.</a:t>
+                      </a:r>
+                      <a:r>
+                        <a:rPr lang="en-AU" baseline="0" dirty="0" smtClean="0"/>
+                        <a:t> s</a:t>
+                      </a:r>
+                      <a:r>
+                        <a:rPr lang="en-AU" dirty="0" smtClean="0"/>
+                        <a:t>ignificant</a:t>
+                      </a:r>
+                      <a:r>
+                        <a:rPr lang="en-AU" baseline="0" dirty="0" smtClean="0"/>
+                        <a:t> SNPs (p &lt; </a:t>
+                      </a:r>
+                      <a:r>
+                        <a:rPr lang="en-AU" baseline="0" smtClean="0"/>
+                        <a:t>0.05 FDR-adjusted)</a:t>
+                      </a:r>
+                      <a:endParaRPr lang="en-AU" dirty="0"/>
+                    </a:p>
+                  </a:txBody>
+                  <a:tcPr/>
+                </a:tc>
+                <a:tc>
+                  <a:txBody>
+                    <a:bodyPr/>
+                    <a:lstStyle/>
+                    <a:p>
+                      <a:r>
+                        <a:rPr lang="en-AU" dirty="0" smtClean="0"/>
+                        <a:t>No.</a:t>
+                      </a:r>
+                      <a:r>
+                        <a:rPr lang="en-AU" baseline="0" dirty="0" smtClean="0"/>
+                        <a:t> d</a:t>
+                      </a:r>
+                      <a:r>
+                        <a:rPr lang="en-AU" dirty="0" smtClean="0"/>
+                        <a:t>ifferentially</a:t>
+                      </a:r>
+                      <a:r>
+                        <a:rPr lang="en-AU" baseline="0" dirty="0" smtClean="0"/>
+                        <a:t> expressed genes</a:t>
+                      </a:r>
+                      <a:endParaRPr lang="en-AU" dirty="0"/>
+                    </a:p>
+                  </a:txBody>
+                  <a:tcPr/>
+                </a:tc>
+                <a:tc>
+                  <a:txBody>
+                    <a:bodyPr/>
+                    <a:lstStyle/>
+                    <a:p>
+                      <a:r>
+                        <a:rPr lang="en-AU" dirty="0" smtClean="0"/>
+                        <a:t>No. of SNPs</a:t>
+                      </a:r>
+                      <a:r>
+                        <a:rPr lang="en-AU" baseline="0" dirty="0" smtClean="0"/>
+                        <a:t> acting in </a:t>
+                      </a:r>
+                      <a:r>
+                        <a:rPr lang="en-AU" i="1" baseline="0" dirty="0" smtClean="0"/>
+                        <a:t>cis</a:t>
+                      </a:r>
+                      <a:endParaRPr lang="en-AU" dirty="0"/>
+                    </a:p>
+                  </a:txBody>
+                  <a:tcPr/>
+                </a:tc>
+              </a:tr>
+              <a:tr h="370840">
+                <a:tc>
+                  <a:txBody>
+                    <a:bodyPr/>
+                    <a:lstStyle/>
+                    <a:p>
+                      <a:r>
+                        <a:rPr lang="en-AU" dirty="0" smtClean="0"/>
+                        <a:t>Total</a:t>
+                      </a:r>
+                      <a:r>
+                        <a:rPr lang="en-AU" baseline="0" dirty="0" smtClean="0"/>
+                        <a:t> cohort</a:t>
+                      </a:r>
+                      <a:endParaRPr lang="en-AU" dirty="0"/>
+                    </a:p>
+                  </a:txBody>
+                  <a:tcPr/>
+                </a:tc>
+                <a:tc>
+                  <a:txBody>
+                    <a:bodyPr/>
+                    <a:lstStyle/>
+                    <a:p>
+                      <a:r>
+                        <a:rPr lang="en-AU" dirty="0" smtClean="0"/>
+                        <a:t>130 SNPs mapped to 101 genes</a:t>
+                      </a:r>
+                      <a:endParaRPr lang="en-AU" dirty="0"/>
+                    </a:p>
+                  </a:txBody>
+                  <a:tcPr/>
+                </a:tc>
+                <a:tc>
+                  <a:txBody>
+                    <a:bodyPr/>
+                    <a:lstStyle/>
+                    <a:p>
+                      <a:r>
+                        <a:rPr lang="en-AU" dirty="0" smtClean="0"/>
+                        <a:t>2,242</a:t>
+                      </a:r>
+                      <a:endParaRPr lang="en-AU" dirty="0"/>
+                    </a:p>
+                  </a:txBody>
+                  <a:tcPr/>
+                </a:tc>
+                <a:tc>
+                  <a:txBody>
+                    <a:bodyPr/>
+                    <a:lstStyle/>
+                    <a:p>
+                      <a:r>
+                        <a:rPr lang="en-AU" dirty="0" smtClean="0"/>
+                        <a:t>8</a:t>
+                      </a:r>
+                      <a:endParaRPr lang="en-AU" dirty="0"/>
+                    </a:p>
+                  </a:txBody>
+                  <a:tcPr/>
+                </a:tc>
+              </a:tr>
+              <a:tr h="370840">
+                <a:tc>
+                  <a:txBody>
+                    <a:bodyPr/>
+                    <a:lstStyle/>
+                    <a:p>
+                      <a:r>
+                        <a:rPr lang="en-AU" dirty="0" smtClean="0"/>
+                        <a:t>AB-</a:t>
+                      </a:r>
+                      <a:r>
+                        <a:rPr lang="en-AU" dirty="0" err="1" smtClean="0"/>
+                        <a:t>pos</a:t>
+                      </a:r>
+                      <a:r>
+                        <a:rPr lang="en-AU" baseline="0" dirty="0" smtClean="0"/>
+                        <a:t> only</a:t>
+                      </a:r>
+                      <a:endParaRPr lang="en-AU" dirty="0"/>
+                    </a:p>
+                  </a:txBody>
+                  <a:tcPr/>
+                </a:tc>
+                <a:tc>
+                  <a:txBody>
+                    <a:bodyPr/>
+                    <a:lstStyle/>
+                    <a:p>
+                      <a:r>
+                        <a:rPr lang="en-AU" dirty="0" smtClean="0"/>
+                        <a:t>28 SNPs mapped to 31 genes</a:t>
+                      </a:r>
+                      <a:endParaRPr lang="en-AU" dirty="0"/>
+                    </a:p>
+                  </a:txBody>
+                  <a:tcPr/>
+                </a:tc>
+                <a:tc>
+                  <a:txBody>
+                    <a:bodyPr/>
+                    <a:lstStyle/>
+                    <a:p>
+                      <a:r>
+                        <a:rPr lang="en-AU" dirty="0" smtClean="0"/>
+                        <a:t>48</a:t>
+                      </a:r>
+                      <a:endParaRPr lang="en-AU" dirty="0"/>
+                    </a:p>
+                  </a:txBody>
+                  <a:tcPr/>
+                </a:tc>
+                <a:tc>
+                  <a:txBody>
+                    <a:bodyPr/>
+                    <a:lstStyle/>
+                    <a:p>
+                      <a:r>
+                        <a:rPr lang="en-AU" dirty="0" smtClean="0"/>
+                        <a:t>0</a:t>
+                      </a:r>
+                      <a:endParaRPr lang="en-AU" dirty="0"/>
+                    </a:p>
+                  </a:txBody>
+                  <a:tcPr/>
+                </a:tc>
+              </a:tr>
+              <a:tr h="370840">
+                <a:tc>
+                  <a:txBody>
+                    <a:bodyPr/>
+                    <a:lstStyle/>
+                    <a:p>
+                      <a:r>
+                        <a:rPr lang="en-AU" dirty="0" smtClean="0"/>
+                        <a:t>AB-</a:t>
+                      </a:r>
+                      <a:r>
+                        <a:rPr lang="en-AU" dirty="0" err="1" smtClean="0"/>
+                        <a:t>neg</a:t>
+                      </a:r>
+                      <a:r>
+                        <a:rPr lang="en-AU" baseline="0" dirty="0" smtClean="0"/>
+                        <a:t> only</a:t>
+                      </a:r>
+                      <a:endParaRPr lang="en-AU" dirty="0"/>
+                    </a:p>
+                  </a:txBody>
+                  <a:tcPr/>
+                </a:tc>
+                <a:tc>
+                  <a:txBody>
+                    <a:bodyPr/>
+                    <a:lstStyle/>
+                    <a:p>
+                      <a:r>
+                        <a:rPr lang="en-AU" dirty="0" smtClean="0"/>
+                        <a:t>35 SNPs</a:t>
+                      </a:r>
+                      <a:r>
+                        <a:rPr lang="en-AU" baseline="0" dirty="0" smtClean="0"/>
+                        <a:t> mapped to 34 genes</a:t>
+                      </a:r>
+                      <a:endParaRPr lang="en-AU" dirty="0"/>
+                    </a:p>
+                  </a:txBody>
+                  <a:tcPr/>
+                </a:tc>
+                <a:tc>
+                  <a:txBody>
+                    <a:bodyPr/>
+                    <a:lstStyle/>
+                    <a:p>
+                      <a:r>
+                        <a:rPr lang="en-AU" dirty="0" smtClean="0"/>
+                        <a:t>74</a:t>
+                      </a:r>
+                      <a:endParaRPr lang="en-AU" dirty="0"/>
+                    </a:p>
+                  </a:txBody>
+                  <a:tcPr/>
+                </a:tc>
+                <a:tc>
+                  <a:txBody>
+                    <a:bodyPr/>
+                    <a:lstStyle/>
+                    <a:p>
+                      <a:r>
+                        <a:rPr lang="en-AU" dirty="0" smtClean="0"/>
+                        <a:t>0</a:t>
+                      </a:r>
+                      <a:endParaRPr lang="en-AU" dirty="0"/>
+                    </a:p>
+                  </a:txBody>
+                  <a:tcPr/>
+                </a:tc>
+              </a:tr>
+              <a:tr h="370840">
+                <a:tc>
+                  <a:txBody>
+                    <a:bodyPr/>
+                    <a:lstStyle/>
+                    <a:p>
+                      <a:endParaRPr lang="en-AU"/>
+                    </a:p>
+                  </a:txBody>
+                  <a:tcPr/>
+                </a:tc>
+                <a:tc>
+                  <a:txBody>
+                    <a:bodyPr/>
+                    <a:lstStyle/>
+                    <a:p>
+                      <a:endParaRPr lang="en-AU"/>
+                    </a:p>
+                  </a:txBody>
+                  <a:tcPr/>
+                </a:tc>
+                <a:tc>
+                  <a:txBody>
+                    <a:bodyPr/>
+                    <a:lstStyle/>
+                    <a:p>
+                      <a:endParaRPr lang="en-AU"/>
+                    </a:p>
+                  </a:txBody>
+                  <a:tcPr/>
+                </a:tc>
+                <a:tc>
+                  <a:txBody>
+                    <a:bodyPr/>
+                    <a:lstStyle/>
+                    <a:p>
+                      <a:endParaRPr lang="en-AU"/>
+                    </a:p>
+                  </a:txBody>
+                  <a:tcPr/>
+                </a:tc>
+              </a:tr>
+              <a:tr h="370840">
+                <a:tc>
+                  <a:txBody>
+                    <a:bodyPr/>
+                    <a:lstStyle/>
+                    <a:p>
+                      <a:endParaRPr lang="en-AU"/>
+                    </a:p>
+                  </a:txBody>
+                  <a:tcPr/>
+                </a:tc>
+                <a:tc>
+                  <a:txBody>
+                    <a:bodyPr/>
+                    <a:lstStyle/>
+                    <a:p>
+                      <a:endParaRPr lang="en-AU"/>
+                    </a:p>
+                  </a:txBody>
+                  <a:tcPr/>
+                </a:tc>
+                <a:tc>
+                  <a:txBody>
+                    <a:bodyPr/>
+                    <a:lstStyle/>
+                    <a:p>
+                      <a:endParaRPr lang="en-AU" dirty="0"/>
+                    </a:p>
+                  </a:txBody>
+                  <a:tcPr/>
+                </a:tc>
+                <a:tc>
+                  <a:txBody>
+                    <a:bodyPr/>
+                    <a:lstStyle/>
+                    <a:p>
+                      <a:endParaRPr lang="en-AU" dirty="0"/>
+                    </a:p>
+                  </a:txBody>
+                  <a:tcPr/>
+                </a:tc>
+              </a:tr>
+            </a:tbl>
+          </a:graphicData>
+        </a:graphic>
+      </p:graphicFrame>
+    </p:spTree>
+    <p:extLst>
+      <p:ext uri="{BB962C8B-B14F-4D97-AF65-F5344CB8AC3E}">
+        <p14:creationId xmlns:p14="http://schemas.microsoft.com/office/powerpoint/2010/main" val="593739778"/>
+      </p:ext>
+    </p:extLst>
+  </p:cSld>
+  <p:clrMapOvr>
+    <a:masterClrMapping/>
+  </p:clrMapOvr>
+</p:sld>
+</file>
+
+<file path=ppt/slides/slide6.xml><?xml version="1.0" encoding="utf-8"?>
+<p:sld xmlns:a="http://schemas.openxmlformats.org/drawingml/2006/main" xmlns:r="http://schemas.openxmlformats.org/officeDocument/2006/relationships" xmlns:p="http://schemas.openxmlformats.org/presentationml/2006/main">
+  <p:cSld>
+    <p:spTree>
+      <p:nvGrpSpPr>
+        <p:cNvPr id="1" name=""/>
+        <p:cNvGrpSpPr/>
+        <p:nvPr/>
+      </p:nvGrpSpPr>
+      <p:grpSpPr>
+        <a:xfrm>
+          <a:off x="0" y="0"/>
+          <a:ext cx="0" cy="0"/>
+          <a:chOff x="0" y="0"/>
+          <a:chExt cx="0" cy="0"/>
+        </a:xfrm>
+      </p:grpSpPr>
+      <p:sp>
+        <p:nvSpPr>
+          <p:cNvPr id="2" name="Title 1"/>
+          <p:cNvSpPr>
+            <a:spLocks noGrp="1"/>
+          </p:cNvSpPr>
+          <p:nvPr>
+            <p:ph type="title"/>
+          </p:nvPr>
+        </p:nvSpPr>
+        <p:spPr/>
+        <p:txBody>
+          <a:bodyPr/>
+          <a:lstStyle/>
+          <a:p>
+            <a:r>
+              <a:rPr lang="en-AU" dirty="0" smtClean="0"/>
               <a:t>SNP data</a:t>
             </a:r>
             <a:endParaRPr lang="en-AU" dirty="0"/>
@@ -7230,7 +8365,7 @@
 </p:sld>
 </file>
 
-<file path=ppt/slides/slide5.xml><?xml version="1.0" encoding="utf-8"?>
+<file path=ppt/slides/slide7.xml><?xml version="1.0" encoding="utf-8"?>
 <p:sld xmlns:a="http://schemas.openxmlformats.org/drawingml/2006/main" xmlns:r="http://schemas.openxmlformats.org/officeDocument/2006/relationships" xmlns:p="http://schemas.openxmlformats.org/presentationml/2006/main">
   <p:cSld>
     <p:spTree>
@@ -7302,19 +8437,7 @@
             </a:r>
             <a:r>
               <a:rPr lang="en-AU" dirty="0" smtClean="0"/>
-              <a:t>normalised e</a:t>
-            </a:r>
-            <a:r>
-              <a:rPr lang="en-AU" dirty="0" smtClean="0"/>
-              <a:t>xpression </a:t>
-            </a:r>
-            <a:r>
-              <a:rPr lang="en-AU" dirty="0" smtClean="0"/>
-              <a:t>data from </a:t>
-            </a:r>
-            <a:r>
-              <a:rPr lang="en-AU" dirty="0" smtClean="0"/>
-              <a:t>the </a:t>
+              <a:t>normalised expression data from the </a:t>
             </a:r>
             <a:r>
               <a:rPr lang="en-AU" dirty="0" err="1" smtClean="0"/>
@@ -7322,15 +8445,7 @@
             </a:r>
             <a:r>
               <a:rPr lang="en-AU" dirty="0" smtClean="0"/>
-              <a:t> </a:t>
-            </a:r>
-            <a:r>
-              <a:rPr lang="en-AU" dirty="0" smtClean="0"/>
-              <a:t>HuEx-1_0-st-v2 platform </a:t>
-            </a:r>
-            <a:r>
-              <a:rPr lang="en-AU" dirty="0" smtClean="0"/>
-              <a:t>(</a:t>
+              <a:t> HuEx-1_0-st-v2 platform (</a:t>
             </a:r>
             <a:r>
               <a:rPr lang="en-AU" b="1" dirty="0" smtClean="0"/>
@@ -7354,38 +8469,13 @@
             </a:r>
             <a:r>
               <a:rPr lang="en-AU" dirty="0" smtClean="0"/>
-              <a:t>for 218 individuals from the </a:t>
-            </a:r>
+              <a:t>for 218 individuals from the AIBL cohort. </a:t>
+            </a:r>
+          </a:p>
+          <a:p>
             <a:r>
               <a:rPr lang="en-AU" dirty="0" smtClean="0"/>
-              <a:t>AIBL </a:t>
-            </a:r>
-            <a:r>
-              <a:rPr lang="en-AU" dirty="0" smtClean="0"/>
-              <a:t>cohort. </a:t>
-            </a:r>
-            <a:endParaRPr lang="en-AU" dirty="0" smtClean="0"/>
-          </a:p>
-          <a:p>
-            <a:r>
-              <a:rPr lang="en-AU" dirty="0" smtClean="0"/>
-              <a:t>Some individuals did not </a:t>
-            </a:r>
-            <a:r>
-              <a:rPr lang="en-AU" dirty="0" smtClean="0"/>
-              <a:t>have the </a:t>
-            </a:r>
-            <a:r>
-              <a:rPr lang="en-AU" dirty="0" smtClean="0"/>
-              <a:t>required </a:t>
-            </a:r>
-            <a:r>
-              <a:rPr lang="en-AU" dirty="0" smtClean="0"/>
-              <a:t>metadata</a:t>
-            </a:r>
-            <a:r>
-              <a:rPr lang="en-AU" dirty="0" smtClean="0"/>
-              <a:t>.</a:t>
+              <a:t>Some individuals did not have the required metadata.</a:t>
             </a:r>
           </a:p>
           <a:p>
@@ -7579,7 +8669,7 @@
 </p:sld>
 </file>
 
-<file path=ppt/slides/slide6.xml><?xml version="1.0" encoding="utf-8"?>
+<file path=ppt/slides/slide8.xml><?xml version="1.0" encoding="utf-8"?>
 <p:sld xmlns:a="http://schemas.openxmlformats.org/drawingml/2006/main" xmlns:r="http://schemas.openxmlformats.org/officeDocument/2006/relationships" xmlns:p="http://schemas.openxmlformats.org/presentationml/2006/main">
   <p:cSld>
     <p:spTree>
@@ -7693,7 +8783,7 @@
 </p:sld>
 </file>
 
-<file path=ppt/slides/slide7.xml><?xml version="1.0" encoding="utf-8"?>
+<file path=ppt/slides/slide9.xml><?xml version="1.0" encoding="utf-8"?>
 <p:sld xmlns:a="http://schemas.openxmlformats.org/drawingml/2006/main" xmlns:r="http://schemas.openxmlformats.org/officeDocument/2006/relationships" xmlns:p="http://schemas.openxmlformats.org/presentationml/2006/main">
   <p:cSld>
     <p:spTree>
@@ -7857,335 +8947,6 @@
     <p:extLst>
       <p:ext uri="{BB962C8B-B14F-4D97-AF65-F5344CB8AC3E}">
         <p14:creationId xmlns:p14="http://schemas.microsoft.com/office/powerpoint/2010/main" val="975356973"/>
-      </p:ext>
-    </p:extLst>
-  </p:cSld>
-  <p:clrMapOvr>
-    <a:masterClrMapping/>
-  </p:clrMapOvr>
-  <p:timing>
-    <p:tnLst>
-      <p:par>
-        <p:cTn id="1" dur="indefinite" restart="never" nodeType="tmRoot"/>
-      </p:par>
-    </p:tnLst>
-  </p:timing>
-</p:sld>
-</file>
-
-<file path=ppt/slides/slide8.xml><?xml version="1.0" encoding="utf-8"?>
-<p:sld xmlns:a="http://schemas.openxmlformats.org/drawingml/2006/main" xmlns:r="http://schemas.openxmlformats.org/officeDocument/2006/relationships" xmlns:p="http://schemas.openxmlformats.org/presentationml/2006/main">
-  <p:cSld>
-    <p:spTree>
-      <p:nvGrpSpPr>
-        <p:cNvPr id="1" name=""/>
-        <p:cNvGrpSpPr/>
-        <p:nvPr/>
-      </p:nvGrpSpPr>
-      <p:grpSpPr>
-        <a:xfrm>
-          <a:off x="0" y="0"/>
-          <a:ext cx="0" cy="0"/>
-          <a:chOff x="0" y="0"/>
-          <a:chExt cx="0" cy="0"/>
-        </a:xfrm>
-      </p:grpSpPr>
-      <p:sp>
-        <p:nvSpPr>
-          <p:cNvPr id="2" name="Title 1"/>
-          <p:cNvSpPr>
-            <a:spLocks noGrp="1"/>
-          </p:cNvSpPr>
-          <p:nvPr>
-            <p:ph type="title"/>
-          </p:nvPr>
-        </p:nvSpPr>
-        <p:spPr/>
-        <p:txBody>
-          <a:bodyPr/>
-          <a:lstStyle/>
-          <a:p>
-            <a:r>
-              <a:rPr lang="en-AU" dirty="0" smtClean="0"/>
-              <a:t>Expression data</a:t>
-            </a:r>
-            <a:endParaRPr lang="en-AU" dirty="0"/>
-          </a:p>
-        </p:txBody>
-      </p:sp>
-      <p:sp>
-        <p:nvSpPr>
-          <p:cNvPr id="5" name="Content Placeholder 4"/>
-          <p:cNvSpPr>
-            <a:spLocks noGrp="1"/>
-          </p:cNvSpPr>
-          <p:nvPr>
-            <p:ph idx="1"/>
-          </p:nvPr>
-        </p:nvSpPr>
-        <p:spPr/>
-        <p:txBody>
-          <a:bodyPr/>
-          <a:lstStyle/>
-          <a:p>
-            <a:r>
-              <a:rPr lang="en-AU" dirty="0" smtClean="0"/>
-              <a:t>Using Bioconductor’s ‘</a:t>
-            </a:r>
-            <a:r>
-              <a:rPr lang="en-AU" dirty="0" err="1" smtClean="0"/>
-              <a:t>limma</a:t>
-            </a:r>
-            <a:r>
-              <a:rPr lang="en-AU" dirty="0" smtClean="0"/>
-              <a:t>’ package, we obtained the genes that were differentially expressed between six contrasts:</a:t>
-            </a:r>
-          </a:p>
-          <a:p>
-            <a:pPr lvl="1"/>
-            <a:r>
-              <a:rPr lang="en-AU" dirty="0" smtClean="0"/>
-              <a:t>PET scan positive for amyloid </a:t>
-            </a:r>
-            <a:r>
-              <a:rPr lang="en-AU" dirty="0" err="1" smtClean="0"/>
-              <a:t>buildup</a:t>
-            </a:r>
-            <a:r>
-              <a:rPr lang="en-AU" dirty="0" smtClean="0"/>
-              <a:t> v PET scan negative (i.e. those with and without AD)</a:t>
-            </a:r>
-          </a:p>
-          <a:p>
-            <a:pPr lvl="1"/>
-            <a:r>
-              <a:rPr lang="en-AU" dirty="0" smtClean="0"/>
-              <a:t>At least one apoe4 allele v no apoe4 allele</a:t>
-            </a:r>
-          </a:p>
-          <a:p>
-            <a:pPr lvl="1"/>
-            <a:r>
-              <a:rPr lang="en-AU" dirty="0" smtClean="0"/>
-              <a:t>Between the apoe4 groups for individuals who were PET </a:t>
-            </a:r>
-            <a:r>
-              <a:rPr lang="en-AU" dirty="0" err="1" smtClean="0"/>
-              <a:t>pos</a:t>
-            </a:r>
-            <a:endParaRPr lang="en-AU" dirty="0" smtClean="0"/>
-          </a:p>
-          <a:p>
-            <a:pPr lvl="1"/>
-            <a:r>
-              <a:rPr lang="en-AU" dirty="0"/>
-              <a:t>Between the apoe4 groups for individuals who were PET </a:t>
-            </a:r>
-            <a:r>
-              <a:rPr lang="en-AU" dirty="0" err="1" smtClean="0"/>
-              <a:t>neg</a:t>
-            </a:r>
-            <a:endParaRPr lang="en-AU" dirty="0" smtClean="0"/>
-          </a:p>
-          <a:p>
-            <a:pPr lvl="1"/>
-            <a:r>
-              <a:rPr lang="en-AU" dirty="0" smtClean="0"/>
-              <a:t>Between the PET groups for individuals who had at least one apoe4 allele.</a:t>
-            </a:r>
-          </a:p>
-          <a:p>
-            <a:pPr lvl="1"/>
-            <a:r>
-              <a:rPr lang="en-AU" dirty="0" smtClean="0"/>
-              <a:t>Between the PET groups for individuals who did not have an apoe4 allele.</a:t>
-            </a:r>
-            <a:endParaRPr lang="en-AU" dirty="0"/>
-          </a:p>
-          <a:p>
-            <a:pPr lvl="1"/>
-            <a:endParaRPr lang="en-AU" dirty="0" smtClean="0"/>
-          </a:p>
-          <a:p>
-            <a:pPr lvl="1"/>
-            <a:endParaRPr lang="en-AU" dirty="0"/>
-          </a:p>
-        </p:txBody>
-      </p:sp>
-    </p:spTree>
-    <p:extLst>
-      <p:ext uri="{BB962C8B-B14F-4D97-AF65-F5344CB8AC3E}">
-        <p14:creationId xmlns:p14="http://schemas.microsoft.com/office/powerpoint/2010/main" val="247689448"/>
-      </p:ext>
-    </p:extLst>
-  </p:cSld>
-  <p:clrMapOvr>
-    <a:masterClrMapping/>
-  </p:clrMapOvr>
-  <p:timing>
-    <p:tnLst>
-      <p:par>
-        <p:cTn id="1" dur="indefinite" restart="never" nodeType="tmRoot"/>
-      </p:par>
-    </p:tnLst>
-  </p:timing>
-</p:sld>
-</file>
-
-<file path=ppt/slides/slide9.xml><?xml version="1.0" encoding="utf-8"?>
-<p:sld xmlns:a="http://schemas.openxmlformats.org/drawingml/2006/main" xmlns:r="http://schemas.openxmlformats.org/officeDocument/2006/relationships" xmlns:p="http://schemas.openxmlformats.org/presentationml/2006/main">
-  <p:cSld>
-    <p:spTree>
-      <p:nvGrpSpPr>
-        <p:cNvPr id="1" name=""/>
-        <p:cNvGrpSpPr/>
-        <p:nvPr/>
-      </p:nvGrpSpPr>
-      <p:grpSpPr>
-        <a:xfrm>
-          <a:off x="0" y="0"/>
-          <a:ext cx="0" cy="0"/>
-          <a:chOff x="0" y="0"/>
-          <a:chExt cx="0" cy="0"/>
-        </a:xfrm>
-      </p:grpSpPr>
-      <p:sp>
-        <p:nvSpPr>
-          <p:cNvPr id="2" name="Title 1"/>
-          <p:cNvSpPr>
-            <a:spLocks noGrp="1"/>
-          </p:cNvSpPr>
-          <p:nvPr>
-            <p:ph type="title"/>
-          </p:nvPr>
-        </p:nvSpPr>
-        <p:spPr/>
-        <p:txBody>
-          <a:bodyPr/>
-          <a:lstStyle/>
-          <a:p>
-            <a:r>
-              <a:rPr lang="en-AU" dirty="0" smtClean="0"/>
-              <a:t>Expression data</a:t>
-            </a:r>
-            <a:endParaRPr lang="en-AU" dirty="0"/>
-          </a:p>
-        </p:txBody>
-      </p:sp>
-      <p:sp>
-        <p:nvSpPr>
-          <p:cNvPr id="3" name="Content Placeholder 2"/>
-          <p:cNvSpPr>
-            <a:spLocks noGrp="1"/>
-          </p:cNvSpPr>
-          <p:nvPr>
-            <p:ph sz="half" idx="1"/>
-          </p:nvPr>
-        </p:nvSpPr>
-        <p:spPr>
-          <a:xfrm>
-            <a:off x="1103312" y="2060575"/>
-            <a:ext cx="2944253" cy="4195763"/>
-          </a:xfrm>
-        </p:spPr>
-        <p:txBody>
-          <a:bodyPr/>
-          <a:lstStyle/>
-          <a:p>
-            <a:r>
-              <a:rPr lang="en-AU" b="1" dirty="0" smtClean="0"/>
-              <a:t>865 </a:t>
-            </a:r>
-            <a:r>
-              <a:rPr lang="en-AU" dirty="0" smtClean="0"/>
-              <a:t>genes differentially expressed between the PET </a:t>
-            </a:r>
-            <a:r>
-              <a:rPr lang="en-AU" dirty="0" err="1" smtClean="0"/>
-              <a:t>pos</a:t>
-            </a:r>
-            <a:r>
-              <a:rPr lang="en-AU" dirty="0" smtClean="0"/>
-              <a:t> and </a:t>
-            </a:r>
-            <a:r>
-              <a:rPr lang="en-AU" dirty="0" err="1" smtClean="0"/>
-              <a:t>neg</a:t>
-            </a:r>
-            <a:r>
-              <a:rPr lang="en-AU" dirty="0" smtClean="0"/>
-              <a:t> groups</a:t>
-            </a:r>
-          </a:p>
-          <a:p>
-            <a:r>
-              <a:rPr lang="en-AU" b="1" dirty="0" smtClean="0"/>
-              <a:t>554</a:t>
-            </a:r>
-            <a:r>
-              <a:rPr lang="en-AU" dirty="0" smtClean="0"/>
-              <a:t> genes differentially expressed between the apoe4 groups</a:t>
-            </a:r>
-          </a:p>
-          <a:p>
-            <a:r>
-              <a:rPr lang="en-AU" b="1" dirty="0" smtClean="0"/>
-              <a:t>74 </a:t>
-            </a:r>
-            <a:r>
-              <a:rPr lang="en-AU" dirty="0" smtClean="0"/>
-              <a:t>shared</a:t>
-            </a:r>
-          </a:p>
-        </p:txBody>
-      </p:sp>
-      <p:sp>
-        <p:nvSpPr>
-          <p:cNvPr id="6" name="Content Placeholder 5"/>
-          <p:cNvSpPr>
-            <a:spLocks noGrp="1"/>
-          </p:cNvSpPr>
-          <p:nvPr>
-            <p:ph sz="half" idx="2"/>
-          </p:nvPr>
-        </p:nvSpPr>
-        <p:spPr/>
-        <p:txBody>
-          <a:bodyPr/>
-          <a:lstStyle/>
-          <a:p>
-            <a:endParaRPr lang="en-AU"/>
-          </a:p>
-        </p:txBody>
-      </p:sp>
-      <p:pic>
-        <p:nvPicPr>
-          <p:cNvPr id="7" name="Picture 6"/>
-          <p:cNvPicPr>
-            <a:picLocks noChangeAspect="1"/>
-          </p:cNvPicPr>
-          <p:nvPr/>
-        </p:nvPicPr>
-        <p:blipFill>
-          <a:blip r:embed="rId2"/>
-          <a:stretch>
-            <a:fillRect/>
-          </a:stretch>
-        </p:blipFill>
-        <p:spPr>
-          <a:xfrm>
-            <a:off x="4290729" y="1853248"/>
-            <a:ext cx="7325140" cy="4520658"/>
-          </a:xfrm>
-          <a:prstGeom prst="rect">
-            <a:avLst/>
-          </a:prstGeom>
-        </p:spPr>
-      </p:pic>
-    </p:spTree>
-    <p:extLst>
-      <p:ext uri="{BB962C8B-B14F-4D97-AF65-F5344CB8AC3E}">
-        <p14:creationId xmlns:p14="http://schemas.microsoft.com/office/powerpoint/2010/main" val="303956845"/>
       </p:ext>
     </p:extLst>
   </p:cSld>
